--- a/132-Seminar-AI_in_space1.pptx
+++ b/132-Seminar-AI_in_space1.pptx
@@ -9010,14 +9010,14 @@
             <p:ph idx="1"/>
             <p:extLst>
               <p:ext uri="{D42A27DB-BD31-4B8C-83A1-F6EECF244321}">
-                <p14:modId xmlns:p14="http://schemas.microsoft.com/office/powerpoint/2010/main" val="4139610371"/>
+                <p14:modId xmlns:p14="http://schemas.microsoft.com/office/powerpoint/2010/main" val="3258061853"/>
               </p:ext>
             </p:extLst>
           </p:nvPr>
         </p:nvGraphicFramePr>
         <p:xfrm>
           <a:off x="822959" y="1730953"/>
-          <a:ext cx="7794567" cy="4206240"/>
+          <a:ext cx="7794567" cy="3017520"/>
         </p:xfrm>
         <a:graphic>
           <a:graphicData uri="http://schemas.openxmlformats.org/drawingml/2006/table">
@@ -9117,31 +9117,7 @@
                       <a:pPr algn="just"/>
                       <a:r>
                         <a:rPr lang="fr-FR"/>
-                        <a:t>AI in Mars </a:t>
-                      </a:r>
-                      <a:r>
-                        <a:rPr lang="fr-FR" err="1"/>
-                        <a:t>Rovers</a:t>
-                      </a:r>
-                      <a:r>
-                        <a:rPr lang="fr-FR"/>
-                        <a:t> for </a:t>
-                      </a:r>
-                      <a:r>
-                        <a:rPr lang="fr-FR" err="1"/>
-                        <a:t>autonomous</a:t>
-                      </a:r>
-                      <a:r>
-                        <a:rPr lang="fr-FR"/>
-                        <a:t> navigation &amp; obstacle </a:t>
-                      </a:r>
-                      <a:r>
-                        <a:rPr lang="fr-FR" err="1"/>
-                        <a:t>avoidance</a:t>
-                      </a:r>
-                      <a:r>
-                        <a:rPr lang="fr-FR"/>
-                        <a:t>.</a:t>
+                        <a:t>AI in Mars Rovers for autonomous navigation &amp; obstacle avoidance.</a:t>
                       </a:r>
                       <a:endParaRPr lang="en-US"/>
                     </a:p>
@@ -9198,16 +9174,9 @@
                       <a:pPr algn="just"/>
                       <a:r>
                         <a:rPr lang="en-US"/>
-                        <a:t>Space 4.0 → AI integrated with </a:t>
+                        <a:t>Space 4.0 → AI integrated with IoT &amp; Big Data for satellite data processing.</a:t>
                       </a:r>
-                      <a:r>
-                        <a:rPr lang="en-US" err="1"/>
-                        <a:t>IoT</a:t>
-                      </a:r>
-                      <a:r>
-                        <a:rPr lang="en-US"/>
-                        <a:t> &amp; Big Data for satellite data processing.</a:t>
-                      </a:r>
+                      <a:endParaRPr lang="en-US" dirty="0"/>
                     </a:p>
                   </a:txBody>
                   <a:tcPr/>
@@ -9232,51 +9201,262 @@
                   </a:ext>
                 </a:extLst>
               </a:tr>
-              <a:tr h="1188720">
+            </a:tbl>
+          </a:graphicData>
+        </a:graphic>
+      </p:graphicFrame>
+      <p:graphicFrame>
+        <p:nvGraphicFramePr>
+          <p:cNvPr id="3" name="Table 2">
+            <a:extLst>
+              <a:ext uri="{FF2B5EF4-FFF2-40B4-BE49-F238E27FC236}">
+                <a16:creationId xmlns:a16="http://schemas.microsoft.com/office/drawing/2014/main" id="{B8A8D2CB-21C9-CA53-B912-BA4FA1467B45}"/>
+              </a:ext>
+            </a:extLst>
+          </p:cNvPr>
+          <p:cNvGraphicFramePr>
+            <a:graphicFrameLocks noGrp="1"/>
+          </p:cNvGraphicFramePr>
+          <p:nvPr>
+            <p:extLst>
+              <p:ext uri="{D42A27DB-BD31-4B8C-83A1-F6EECF244321}">
+                <p14:modId xmlns:p14="http://schemas.microsoft.com/office/powerpoint/2010/main" val="127008697"/>
+              </p:ext>
+            </p:extLst>
+          </p:nvPr>
+        </p:nvGraphicFramePr>
+        <p:xfrm>
+          <a:off x="847725" y="4732901"/>
+          <a:ext cx="7760916" cy="1226010"/>
+        </p:xfrm>
+        <a:graphic>
+          <a:graphicData uri="http://schemas.openxmlformats.org/drawingml/2006/table">
+            <a:tbl>
+              <a:tblPr bandRow="1">
+                <a:tableStyleId>{5C22544A-7EE6-4342-B048-85BDC9FD1C3A}</a:tableStyleId>
+              </a:tblPr>
+              <a:tblGrid>
+                <a:gridCol w="2586972">
+                  <a:extLst>
+                    <a:ext uri="{9D8B030D-6E8A-4147-A177-3AD203B41FA5}">
+                      <a16:colId xmlns:a16="http://schemas.microsoft.com/office/drawing/2014/main" val="902844729"/>
+                    </a:ext>
+                  </a:extLst>
+                </a:gridCol>
+                <a:gridCol w="2586972">
+                  <a:extLst>
+                    <a:ext uri="{9D8B030D-6E8A-4147-A177-3AD203B41FA5}">
+                      <a16:colId xmlns:a16="http://schemas.microsoft.com/office/drawing/2014/main" val="4193323657"/>
+                    </a:ext>
+                  </a:extLst>
+                </a:gridCol>
+                <a:gridCol w="2586972">
+                  <a:extLst>
+                    <a:ext uri="{9D8B030D-6E8A-4147-A177-3AD203B41FA5}">
+                      <a16:colId xmlns:a16="http://schemas.microsoft.com/office/drawing/2014/main" val="3079125445"/>
+                    </a:ext>
+                  </a:extLst>
+                </a:gridCol>
+              </a:tblGrid>
+              <a:tr h="1226010">
                 <a:tc>
                   <a:txBody>
                     <a:bodyPr/>
                     <a:lstStyle/>
                     <a:p>
+                      <a:pPr rtl="0" fontAlgn="base">
+                        <a:lnSpc>
+                          <a:spcPts val="1575"/>
+                        </a:lnSpc>
+                        <a:buNone/>
+                      </a:pPr>
                       <a:r>
-                        <a:rPr lang="en-US"/>
-                        <a:t>Long, G.A. (2018)</a:t>
+                        <a:rPr lang="en-US" sz="1800">
+                          <a:effectLst/>
+                          <a:latin typeface="Calibri" panose="020F0502020204030204" pitchFamily="34" charset="0"/>
+                        </a:rPr>
+                        <a:t>Soille et al. (2019)</a:t>
                       </a:r>
+                      <a:endParaRPr lang="en-US">
+                        <a:effectLst/>
+                      </a:endParaRPr>
                     </a:p>
                   </a:txBody>
-                  <a:tcPr/>
+                  <a:tcPr marL="68199" marR="68199" marT="34100" marB="34100" anchor="ctr">
+                    <a:lnL w="9525" cap="flat" cmpd="sng" algn="ctr">
+                      <a:solidFill>
+                        <a:srgbClr val="FFFFFF"/>
+                      </a:solidFill>
+                      <a:prstDash val="solid"/>
+                      <a:round/>
+                      <a:headEnd type="none" w="med" len="med"/>
+                      <a:tailEnd type="none" w="med" len="med"/>
+                    </a:lnL>
+                    <a:lnR w="9525" cap="flat" cmpd="sng" algn="ctr">
+                      <a:solidFill>
+                        <a:srgbClr val="FFFFFF"/>
+                      </a:solidFill>
+                      <a:prstDash val="solid"/>
+                      <a:round/>
+                      <a:headEnd type="none" w="med" len="med"/>
+                      <a:tailEnd type="none" w="med" len="med"/>
+                    </a:lnR>
+                    <a:lnT w="9525" cap="flat" cmpd="sng" algn="ctr">
+                      <a:solidFill>
+                        <a:srgbClr val="FFFFFF"/>
+                      </a:solidFill>
+                      <a:prstDash val="solid"/>
+                      <a:round/>
+                      <a:headEnd type="none" w="med" len="med"/>
+                      <a:tailEnd type="none" w="med" len="med"/>
+                    </a:lnT>
+                    <a:lnB w="9525" cap="flat" cmpd="sng" algn="ctr">
+                      <a:solidFill>
+                        <a:srgbClr val="FFFFFF"/>
+                      </a:solidFill>
+                      <a:prstDash val="solid"/>
+                      <a:round/>
+                      <a:headEnd type="none" w="med" len="med"/>
+                      <a:tailEnd type="none" w="med" len="med"/>
+                    </a:lnB>
+                    <a:solidFill>
+                      <a:srgbClr val="F5D9CC"/>
+                    </a:solidFill>
+                  </a:tcPr>
                 </a:tc>
                 <a:tc>
                   <a:txBody>
                     <a:bodyPr/>
                     <a:lstStyle/>
                     <a:p>
-                      <a:pPr algn="just"/>
+                      <a:pPr algn="just" rtl="0" fontAlgn="base">
+                        <a:lnSpc>
+                          <a:spcPts val="1575"/>
+                        </a:lnSpc>
+                        <a:buNone/>
+                      </a:pPr>
                       <a:r>
-                        <a:rPr lang="en-US"/>
-                        <a:t>Legal studies on AI-controlled spacecraft and autonomy in space law.</a:t>
+                        <a:rPr lang="en-US" sz="1800">
+                          <a:effectLst/>
+                          <a:latin typeface="Calibri" panose="020F0502020204030204" pitchFamily="34" charset="0"/>
+                        </a:rPr>
+                        <a:t>AI in geospatial analytics for Earth observation &amp; climate monitoring.</a:t>
                       </a:r>
+                      <a:endParaRPr lang="en-US">
+                        <a:effectLst/>
+                      </a:endParaRPr>
                     </a:p>
                   </a:txBody>
-                  <a:tcPr/>
+                  <a:tcPr marL="68199" marR="68199" marT="34100" marB="34100" anchor="ctr">
+                    <a:lnL w="9525" cap="flat" cmpd="sng" algn="ctr">
+                      <a:solidFill>
+                        <a:srgbClr val="FFFFFF"/>
+                      </a:solidFill>
+                      <a:prstDash val="solid"/>
+                      <a:round/>
+                      <a:headEnd type="none" w="med" len="med"/>
+                      <a:tailEnd type="none" w="med" len="med"/>
+                    </a:lnL>
+                    <a:lnR w="9525" cap="flat" cmpd="sng" algn="ctr">
+                      <a:solidFill>
+                        <a:srgbClr val="FFFFFF"/>
+                      </a:solidFill>
+                      <a:prstDash val="solid"/>
+                      <a:round/>
+                      <a:headEnd type="none" w="med" len="med"/>
+                      <a:tailEnd type="none" w="med" len="med"/>
+                    </a:lnR>
+                    <a:lnT w="9525" cap="flat" cmpd="sng" algn="ctr">
+                      <a:solidFill>
+                        <a:srgbClr val="FFFFFF"/>
+                      </a:solidFill>
+                      <a:prstDash val="solid"/>
+                      <a:round/>
+                      <a:headEnd type="none" w="med" len="med"/>
+                      <a:tailEnd type="none" w="med" len="med"/>
+                    </a:lnT>
+                    <a:lnB w="9525" cap="flat" cmpd="sng" algn="ctr">
+                      <a:solidFill>
+                        <a:srgbClr val="FFFFFF"/>
+                      </a:solidFill>
+                      <a:prstDash val="solid"/>
+                      <a:round/>
+                      <a:headEnd type="none" w="med" len="med"/>
+                      <a:tailEnd type="none" w="med" len="med"/>
+                    </a:lnB>
+                    <a:solidFill>
+                      <a:srgbClr val="F5D9CC"/>
+                    </a:solidFill>
+                  </a:tcPr>
                 </a:tc>
                 <a:tc>
                   <a:txBody>
                     <a:bodyPr/>
                     <a:lstStyle/>
                     <a:p>
-                      <a:pPr algn="just"/>
+                      <a:pPr algn="just" rtl="0" fontAlgn="base">
+                        <a:lnSpc>
+                          <a:spcPts val="1575"/>
+                        </a:lnSpc>
+                        <a:buNone/>
+                      </a:pPr>
                       <a:r>
-                        <a:rPr lang="en-US"/>
-                        <a:t>No global legal framework; accountability in AI failures unresolved.</a:t>
+                        <a:rPr lang="en-US" sz="1800">
+                          <a:effectLst/>
+                          <a:latin typeface="Calibri" panose="020F0502020204030204" pitchFamily="34" charset="0"/>
+                        </a:rPr>
+                        <a:t>Concerns about data privacy, uneven access, and bias in AI models.</a:t>
                       </a:r>
+                      <a:endParaRPr lang="en-US">
+                        <a:effectLst/>
+                      </a:endParaRPr>
                     </a:p>
                   </a:txBody>
-                  <a:tcPr/>
+                  <a:tcPr marL="68199" marR="68199" marT="34100" marB="34100">
+                    <a:lnL w="9525" cap="flat" cmpd="sng" algn="ctr">
+                      <a:solidFill>
+                        <a:srgbClr val="FFFFFF"/>
+                      </a:solidFill>
+                      <a:prstDash val="solid"/>
+                      <a:round/>
+                      <a:headEnd type="none" w="med" len="med"/>
+                      <a:tailEnd type="none" w="med" len="med"/>
+                    </a:lnL>
+                    <a:lnR w="9525" cap="flat" cmpd="sng" algn="ctr">
+                      <a:solidFill>
+                        <a:srgbClr val="FFFFFF"/>
+                      </a:solidFill>
+                      <a:prstDash val="solid"/>
+                      <a:round/>
+                      <a:headEnd type="none" w="med" len="med"/>
+                      <a:tailEnd type="none" w="med" len="med"/>
+                    </a:lnR>
+                    <a:lnT w="9525" cap="flat" cmpd="sng" algn="ctr">
+                      <a:solidFill>
+                        <a:srgbClr val="FFFFFF"/>
+                      </a:solidFill>
+                      <a:prstDash val="solid"/>
+                      <a:round/>
+                      <a:headEnd type="none" w="med" len="med"/>
+                      <a:tailEnd type="none" w="med" len="med"/>
+                    </a:lnT>
+                    <a:lnB w="9525" cap="flat" cmpd="sng" algn="ctr">
+                      <a:solidFill>
+                        <a:srgbClr val="FFFFFF"/>
+                      </a:solidFill>
+                      <a:prstDash val="solid"/>
+                      <a:round/>
+                      <a:headEnd type="none" w="med" len="med"/>
+                      <a:tailEnd type="none" w="med" len="med"/>
+                    </a:lnB>
+                    <a:solidFill>
+                      <a:srgbClr val="F5D9CC"/>
+                    </a:solidFill>
+                  </a:tcPr>
                 </a:tc>
                 <a:extLst>
                   <a:ext uri="{0D108BD9-81ED-4DB2-BD59-A6C34878D82A}">
-                    <a16:rowId xmlns:a16="http://schemas.microsoft.com/office/drawing/2014/main" val="10003"/>
+                    <a16:rowId xmlns:a16="http://schemas.microsoft.com/office/drawing/2014/main" val="3734471505"/>
                   </a:ext>
                 </a:extLst>
               </a:tr>
@@ -9369,14 +9549,14 @@
             <p:ph idx="1"/>
             <p:extLst>
               <p:ext uri="{D42A27DB-BD31-4B8C-83A1-F6EECF244321}">
-                <p14:modId xmlns:p14="http://schemas.microsoft.com/office/powerpoint/2010/main" val="3941914861"/>
+                <p14:modId xmlns:p14="http://schemas.microsoft.com/office/powerpoint/2010/main" val="3424177255"/>
               </p:ext>
             </p:extLst>
           </p:nvPr>
         </p:nvGraphicFramePr>
         <p:xfrm>
-          <a:off x="822960" y="152400"/>
-          <a:ext cx="7543800" cy="6128410"/>
+          <a:off x="861273" y="586612"/>
+          <a:ext cx="7543800" cy="4902728"/>
         </p:xfrm>
         <a:graphic>
           <a:graphicData uri="http://schemas.openxmlformats.org/drawingml/2006/table">
@@ -9407,58 +9587,6 @@
                   </a:extLst>
                 </a:gridCol>
               </a:tblGrid>
-              <a:tr h="1225682">
-                <a:tc>
-                  <a:txBody>
-                    <a:bodyPr/>
-                    <a:lstStyle/>
-                    <a:p>
-                      <a:r>
-                        <a:rPr lang="en-US" err="1"/>
-                        <a:t>Soille</a:t>
-                      </a:r>
-                      <a:r>
-                        <a:rPr lang="en-US"/>
-                        <a:t> et al. (2019)</a:t>
-                      </a:r>
-                    </a:p>
-                  </a:txBody>
-                  <a:tcPr anchor="ctr"/>
-                </a:tc>
-                <a:tc>
-                  <a:txBody>
-                    <a:bodyPr/>
-                    <a:lstStyle/>
-                    <a:p>
-                      <a:pPr algn="just"/>
-                      <a:r>
-                        <a:rPr lang="en-US"/>
-                        <a:t>AI in geospatial analytics for Earth observation &amp; climate monitoring.</a:t>
-                      </a:r>
-                    </a:p>
-                  </a:txBody>
-                  <a:tcPr anchor="ctr"/>
-                </a:tc>
-                <a:tc>
-                  <a:txBody>
-                    <a:bodyPr/>
-                    <a:lstStyle/>
-                    <a:p>
-                      <a:pPr algn="just"/>
-                      <a:r>
-                        <a:rPr lang="en-US"/>
-                        <a:t>Concerns about data privacy, uneven access, and bias in AI models.</a:t>
-                      </a:r>
-                    </a:p>
-                  </a:txBody>
-                  <a:tcPr/>
-                </a:tc>
-                <a:extLst>
-                  <a:ext uri="{0D108BD9-81ED-4DB2-BD59-A6C34878D82A}">
-                    <a16:rowId xmlns:a16="http://schemas.microsoft.com/office/drawing/2014/main" val="10000"/>
-                  </a:ext>
-                </a:extLst>
-              </a:tr>
               <a:tr h="1225682">
                 <a:tc>
                   <a:txBody>
